--- a/2º Trabalho/Apresentação.pptx
+++ b/2º Trabalho/Apresentação.pptx
@@ -118,6 +118,10 @@
     </p:ext>
   </p:extLst>
 </p:presentation>
+</file>
+
+<file path=ppt/revisionInfo.xml><?xml version="1.0" encoding="utf-8"?>
+<p1510:revInfo xmlns:a="http://schemas.openxmlformats.org/drawingml/2006/main" xmlns:r="http://schemas.openxmlformats.org/officeDocument/2006/relationships" xmlns:p1510="http://schemas.microsoft.com/office/powerpoint/2015/10/main"/>
 </file>
 
 <file path=ppt/notesMasters/notesMaster1.xml><?xml version="1.0" encoding="utf-8"?>
@@ -6221,10 +6225,16 @@
           <a:lstStyle/>
           <a:p>
             <a:r>
-              <a:rPr lang="en-US" dirty="0"/>
+              <a:rPr lang="en-US" dirty="0">
+                <a:latin typeface="Arial" panose="020B0604020202020204" pitchFamily="34" charset="0"/>
+                <a:cs typeface="Arial" panose="020B0604020202020204" pitchFamily="34" charset="0"/>
+              </a:rPr>
               <a:t>A Fog/Cloud Based Data Delivery Model for Publish-Subscribe Systems</a:t>
             </a:r>
-            <a:endParaRPr lang="pt-PT" dirty="0"/>
+            <a:endParaRPr lang="pt-PT" dirty="0">
+              <a:latin typeface="Arial" panose="020B0604020202020204" pitchFamily="34" charset="0"/>
+              <a:cs typeface="Arial" panose="020B0604020202020204" pitchFamily="34" charset="0"/>
+            </a:endParaRPr>
           </a:p>
         </p:txBody>
       </p:sp>
@@ -6257,43 +6267,73 @@
           <a:lstStyle/>
           <a:p>
             <a:r>
-              <a:rPr lang="pt-PT" dirty="0"/>
+              <a:rPr lang="pt-PT" dirty="0">
+                <a:latin typeface="Arial" panose="020B0604020202020204" pitchFamily="34" charset="0"/>
+                <a:cs typeface="Arial" panose="020B0604020202020204" pitchFamily="34" charset="0"/>
+              </a:rPr>
               <a:t>Artigo realizado por:</a:t>
             </a:r>
           </a:p>
           <a:p>
             <a:r>
-              <a:rPr lang="pt-PT" dirty="0"/>
+              <a:rPr lang="pt-PT" dirty="0">
+                <a:latin typeface="Arial" panose="020B0604020202020204" pitchFamily="34" charset="0"/>
+                <a:cs typeface="Arial" panose="020B0604020202020204" pitchFamily="34" charset="0"/>
+              </a:rPr>
               <a:t>Van-</a:t>
             </a:r>
             <a:r>
-              <a:rPr lang="pt-PT" dirty="0" err="1"/>
+              <a:rPr lang="pt-PT" dirty="0" err="1">
+                <a:latin typeface="Arial" panose="020B0604020202020204" pitchFamily="34" charset="0"/>
+                <a:cs typeface="Arial" panose="020B0604020202020204" pitchFamily="34" charset="0"/>
+              </a:rPr>
               <a:t>Nam</a:t>
             </a:r>
             <a:r>
-              <a:rPr lang="pt-PT" dirty="0"/>
+              <a:rPr lang="pt-PT" dirty="0">
+                <a:latin typeface="Arial" panose="020B0604020202020204" pitchFamily="34" charset="0"/>
+                <a:cs typeface="Arial" panose="020B0604020202020204" pitchFamily="34" charset="0"/>
+              </a:rPr>
               <a:t> </a:t>
             </a:r>
             <a:r>
-              <a:rPr lang="pt-PT" dirty="0" err="1"/>
+              <a:rPr lang="pt-PT" dirty="0" err="1">
+                <a:latin typeface="Arial" panose="020B0604020202020204" pitchFamily="34" charset="0"/>
+                <a:cs typeface="Arial" panose="020B0604020202020204" pitchFamily="34" charset="0"/>
+              </a:rPr>
               <a:t>Pham</a:t>
             </a:r>
-            <a:endParaRPr lang="pt-PT" dirty="0"/>
-          </a:p>
-          <a:p>
-            <a:r>
-              <a:rPr lang="pt-PT" dirty="0" err="1"/>
+            <a:endParaRPr lang="pt-PT" dirty="0">
+              <a:latin typeface="Arial" panose="020B0604020202020204" pitchFamily="34" charset="0"/>
+              <a:cs typeface="Arial" panose="020B0604020202020204" pitchFamily="34" charset="0"/>
+            </a:endParaRPr>
+          </a:p>
+          <a:p>
+            <a:r>
+              <a:rPr lang="pt-PT" dirty="0" err="1">
+                <a:latin typeface="Arial" panose="020B0604020202020204" pitchFamily="34" charset="0"/>
+                <a:cs typeface="Arial" panose="020B0604020202020204" pitchFamily="34" charset="0"/>
+              </a:rPr>
               <a:t>Eui-Nam</a:t>
             </a:r>
             <a:r>
-              <a:rPr lang="pt-PT" dirty="0"/>
+              <a:rPr lang="pt-PT" dirty="0">
+                <a:latin typeface="Arial" panose="020B0604020202020204" pitchFamily="34" charset="0"/>
+                <a:cs typeface="Arial" panose="020B0604020202020204" pitchFamily="34" charset="0"/>
+              </a:rPr>
               <a:t> </a:t>
             </a:r>
             <a:r>
-              <a:rPr lang="pt-PT" dirty="0" err="1"/>
+              <a:rPr lang="pt-PT" dirty="0" err="1">
+                <a:latin typeface="Arial" panose="020B0604020202020204" pitchFamily="34" charset="0"/>
+                <a:cs typeface="Arial" panose="020B0604020202020204" pitchFamily="34" charset="0"/>
+              </a:rPr>
               <a:t>Huh</a:t>
             </a:r>
-            <a:endParaRPr lang="pt-PT" dirty="0"/>
+            <a:endParaRPr lang="pt-PT" dirty="0">
+              <a:latin typeface="Arial" panose="020B0604020202020204" pitchFamily="34" charset="0"/>
+              <a:cs typeface="Arial" panose="020B0604020202020204" pitchFamily="34" charset="0"/>
+            </a:endParaRPr>
           </a:p>
         </p:txBody>
       </p:sp>
@@ -6312,7 +6352,7 @@
         <p:spPr>
           <a:xfrm>
             <a:off x="2804160" y="5164185"/>
-            <a:ext cx="2674130" cy="1200329"/>
+            <a:ext cx="2757486" cy="1200329"/>
           </a:xfrm>
           <a:prstGeom prst="rect">
             <a:avLst/>
@@ -6326,25 +6366,37 @@
           <a:lstStyle/>
           <a:p>
             <a:r>
-              <a:rPr lang="pt-PT" dirty="0"/>
+              <a:rPr lang="pt-PT" dirty="0">
+                <a:latin typeface="Arial" panose="020B0604020202020204" pitchFamily="34" charset="0"/>
+                <a:cs typeface="Arial" panose="020B0604020202020204" pitchFamily="34" charset="0"/>
+              </a:rPr>
               <a:t>Apresentado por:</a:t>
             </a:r>
           </a:p>
           <a:p>
             <a:r>
-              <a:rPr lang="pt-PT" dirty="0"/>
+              <a:rPr lang="pt-PT" dirty="0">
+                <a:latin typeface="Arial" panose="020B0604020202020204" pitchFamily="34" charset="0"/>
+                <a:cs typeface="Arial" panose="020B0604020202020204" pitchFamily="34" charset="0"/>
+              </a:rPr>
               <a:t>Nuno Veloso nº 42181</a:t>
             </a:r>
           </a:p>
           <a:p>
             <a:r>
-              <a:rPr lang="pt-PT" dirty="0"/>
+              <a:rPr lang="pt-PT" dirty="0">
+                <a:latin typeface="Arial" panose="020B0604020202020204" pitchFamily="34" charset="0"/>
+                <a:cs typeface="Arial" panose="020B0604020202020204" pitchFamily="34" charset="0"/>
+              </a:rPr>
               <a:t>Steven Brito nº 42798</a:t>
             </a:r>
           </a:p>
           <a:p>
             <a:r>
-              <a:rPr lang="pt-PT" dirty="0"/>
+              <a:rPr lang="pt-PT" dirty="0">
+                <a:latin typeface="Arial" panose="020B0604020202020204" pitchFamily="34" charset="0"/>
+                <a:cs typeface="Arial" panose="020B0604020202020204" pitchFamily="34" charset="0"/>
+              </a:rPr>
               <a:t>Daniela Gomes nº 42799</a:t>
             </a:r>
           </a:p>
@@ -6402,7 +6454,10 @@
           <a:lstStyle/>
           <a:p>
             <a:r>
-              <a:rPr lang="pt-PT" dirty="0"/>
+              <a:rPr lang="pt-PT" dirty="0">
+                <a:latin typeface="Arial" panose="020B0604020202020204" pitchFamily="34" charset="0"/>
+                <a:cs typeface="Arial" panose="020B0604020202020204" pitchFamily="34" charset="0"/>
+              </a:rPr>
               <a:t>Introdução</a:t>
             </a:r>
           </a:p>
@@ -6435,41 +6490,68 @@
           <a:lstStyle/>
           <a:p>
             <a:r>
-              <a:rPr lang="pt-PT" dirty="0"/>
+              <a:rPr lang="pt-PT" dirty="0">
+                <a:latin typeface="Arial" panose="020B0604020202020204" pitchFamily="34" charset="0"/>
+                <a:cs typeface="Arial" panose="020B0604020202020204" pitchFamily="34" charset="0"/>
+              </a:rPr>
               <a:t>Modelo </a:t>
             </a:r>
             <a:r>
-              <a:rPr lang="pt-PT" dirty="0" err="1"/>
+              <a:rPr lang="pt-PT" dirty="0" err="1">
+                <a:latin typeface="Arial" panose="020B0604020202020204" pitchFamily="34" charset="0"/>
+                <a:cs typeface="Arial" panose="020B0604020202020204" pitchFamily="34" charset="0"/>
+              </a:rPr>
               <a:t>Publish-Subscribe</a:t>
             </a:r>
-            <a:endParaRPr lang="pt-PT" dirty="0"/>
+            <a:endParaRPr lang="pt-PT" dirty="0">
+              <a:latin typeface="Arial" panose="020B0604020202020204" pitchFamily="34" charset="0"/>
+              <a:cs typeface="Arial" panose="020B0604020202020204" pitchFamily="34" charset="0"/>
+            </a:endParaRPr>
           </a:p>
           <a:p>
             <a:pPr marL="457200" lvl="1" indent="0">
               <a:buNone/>
             </a:pPr>
-            <a:endParaRPr lang="pt-PT" dirty="0"/>
+            <a:endParaRPr lang="pt-PT" dirty="0">
+              <a:latin typeface="Arial" panose="020B0604020202020204" pitchFamily="34" charset="0"/>
+              <a:cs typeface="Arial" panose="020B0604020202020204" pitchFamily="34" charset="0"/>
+            </a:endParaRPr>
           </a:p>
           <a:p>
             <a:pPr lvl="1"/>
             <a:r>
-              <a:rPr lang="pt-PT" i="1" dirty="0" err="1"/>
+              <a:rPr lang="pt-PT" i="1" dirty="0" err="1">
+                <a:latin typeface="Arial" panose="020B0604020202020204" pitchFamily="34" charset="0"/>
+                <a:cs typeface="Arial" panose="020B0604020202020204" pitchFamily="34" charset="0"/>
+              </a:rPr>
               <a:t>Publish-Subscribe</a:t>
             </a:r>
             <a:r>
-              <a:rPr lang="pt-PT" i="1" dirty="0"/>
+              <a:rPr lang="pt-PT" i="1" dirty="0">
+                <a:latin typeface="Arial" panose="020B0604020202020204" pitchFamily="34" charset="0"/>
+                <a:cs typeface="Arial" panose="020B0604020202020204" pitchFamily="34" charset="0"/>
+              </a:rPr>
               <a:t> </a:t>
             </a:r>
             <a:r>
-              <a:rPr lang="pt-PT" dirty="0"/>
+              <a:rPr lang="pt-PT" dirty="0">
+                <a:latin typeface="Arial" panose="020B0604020202020204" pitchFamily="34" charset="0"/>
+                <a:cs typeface="Arial" panose="020B0604020202020204" pitchFamily="34" charset="0"/>
+              </a:rPr>
               <a:t>descreve um padrão utilizado em várias aplicações onde </a:t>
             </a:r>
             <a:r>
-              <a:rPr lang="pt-PT" i="1" dirty="0" err="1"/>
+              <a:rPr lang="pt-PT" i="1" dirty="0" err="1">
+                <a:latin typeface="Arial" panose="020B0604020202020204" pitchFamily="34" charset="0"/>
+                <a:cs typeface="Arial" panose="020B0604020202020204" pitchFamily="34" charset="0"/>
+              </a:rPr>
               <a:t>subscribers</a:t>
             </a:r>
             <a:r>
-              <a:rPr lang="pt-PT" dirty="0"/>
+              <a:rPr lang="pt-PT" dirty="0">
+                <a:latin typeface="Arial" panose="020B0604020202020204" pitchFamily="34" charset="0"/>
+                <a:cs typeface="Arial" panose="020B0604020202020204" pitchFamily="34" charset="0"/>
+              </a:rPr>
               <a:t> indicam o seu interesse num determinado tópico usando palavras chaves relacionadas e são notificados quando alguém publica novos dados sobre o referido tópico.</a:t>
             </a:r>
           </a:p>
@@ -6607,7 +6689,10 @@
           <a:lstStyle/>
           <a:p>
             <a:r>
-              <a:rPr lang="pt-PT" dirty="0"/>
+              <a:rPr lang="pt-PT" dirty="0">
+                <a:latin typeface="Arial" panose="020B0604020202020204" pitchFamily="34" charset="0"/>
+                <a:cs typeface="Arial" panose="020B0604020202020204" pitchFamily="34" charset="0"/>
+              </a:rPr>
               <a:t>Introdução</a:t>
             </a:r>
           </a:p>
@@ -6635,7 +6720,10 @@
           <a:lstStyle/>
           <a:p>
             <a:r>
-              <a:rPr lang="pt-PT" dirty="0"/>
+              <a:rPr lang="pt-PT" dirty="0">
+                <a:latin typeface="Arial" panose="020B0604020202020204" pitchFamily="34" charset="0"/>
+                <a:cs typeface="Arial" panose="020B0604020202020204" pitchFamily="34" charset="0"/>
+              </a:rPr>
               <a:t>P2P</a:t>
             </a:r>
           </a:p>
@@ -6644,25 +6732,40 @@
               <a:buNone/>
             </a:pPr>
             <a:r>
-              <a:rPr lang="pt-PT" dirty="0"/>
+              <a:rPr lang="pt-PT" dirty="0">
+                <a:latin typeface="Arial" panose="020B0604020202020204" pitchFamily="34" charset="0"/>
+                <a:cs typeface="Arial" panose="020B0604020202020204" pitchFamily="34" charset="0"/>
+              </a:rPr>
               <a:t>	Vantagens: </a:t>
             </a:r>
             <a:r>
-              <a:rPr lang="pt-PT" sz="1600" dirty="0"/>
+              <a:rPr lang="pt-PT" sz="1600" dirty="0">
+                <a:latin typeface="Arial" panose="020B0604020202020204" pitchFamily="34" charset="0"/>
+                <a:cs typeface="Arial" panose="020B0604020202020204" pitchFamily="34" charset="0"/>
+              </a:rPr>
               <a:t>Permite uma elevada quantia de tópicos</a:t>
             </a:r>
-            <a:endParaRPr lang="pt-PT" dirty="0"/>
+            <a:endParaRPr lang="pt-PT" dirty="0">
+              <a:latin typeface="Arial" panose="020B0604020202020204" pitchFamily="34" charset="0"/>
+              <a:cs typeface="Arial" panose="020B0604020202020204" pitchFamily="34" charset="0"/>
+            </a:endParaRPr>
           </a:p>
           <a:p>
             <a:pPr marL="0" indent="0">
               <a:buNone/>
             </a:pPr>
             <a:r>
-              <a:rPr lang="pt-PT" dirty="0"/>
+              <a:rPr lang="pt-PT" dirty="0">
+                <a:latin typeface="Arial" panose="020B0604020202020204" pitchFamily="34" charset="0"/>
+                <a:cs typeface="Arial" panose="020B0604020202020204" pitchFamily="34" charset="0"/>
+              </a:rPr>
               <a:t>	Desvantagens: </a:t>
             </a:r>
             <a:r>
-              <a:rPr lang="pt-PT" sz="1600" dirty="0"/>
+              <a:rPr lang="pt-PT" sz="1600" dirty="0">
+                <a:latin typeface="Arial" panose="020B0604020202020204" pitchFamily="34" charset="0"/>
+                <a:cs typeface="Arial" panose="020B0604020202020204" pitchFamily="34" charset="0"/>
+              </a:rPr>
               <a:t>Não é fiável, devido à desistência de participantes</a:t>
             </a:r>
           </a:p>
@@ -6670,35 +6773,56 @@
             <a:pPr marL="0" indent="0">
               <a:buNone/>
             </a:pPr>
-            <a:endParaRPr lang="pt-PT" dirty="0"/>
+            <a:endParaRPr lang="pt-PT" dirty="0">
+              <a:latin typeface="Arial" panose="020B0604020202020204" pitchFamily="34" charset="0"/>
+              <a:cs typeface="Arial" panose="020B0604020202020204" pitchFamily="34" charset="0"/>
+            </a:endParaRPr>
           </a:p>
           <a:p>
             <a:pPr marL="0" indent="0">
               <a:buNone/>
             </a:pPr>
-            <a:endParaRPr lang="pt-PT" dirty="0"/>
-          </a:p>
-          <a:p>
-            <a:r>
-              <a:rPr lang="pt-PT" dirty="0"/>
+            <a:endParaRPr lang="pt-PT" dirty="0">
+              <a:latin typeface="Arial" panose="020B0604020202020204" pitchFamily="34" charset="0"/>
+              <a:cs typeface="Arial" panose="020B0604020202020204" pitchFamily="34" charset="0"/>
+            </a:endParaRPr>
+          </a:p>
+          <a:p>
+            <a:r>
+              <a:rPr lang="pt-PT" dirty="0">
+                <a:latin typeface="Arial" panose="020B0604020202020204" pitchFamily="34" charset="0"/>
+                <a:cs typeface="Arial" panose="020B0604020202020204" pitchFamily="34" charset="0"/>
+              </a:rPr>
               <a:t>Broker </a:t>
             </a:r>
             <a:r>
-              <a:rPr lang="pt-PT" dirty="0" err="1"/>
+              <a:rPr lang="pt-PT" dirty="0" err="1">
+                <a:latin typeface="Arial" panose="020B0604020202020204" pitchFamily="34" charset="0"/>
+                <a:cs typeface="Arial" panose="020B0604020202020204" pitchFamily="34" charset="0"/>
+              </a:rPr>
               <a:t>Overlay</a:t>
             </a:r>
-            <a:endParaRPr lang="pt-PT" dirty="0"/>
+            <a:endParaRPr lang="pt-PT" dirty="0">
+              <a:latin typeface="Arial" panose="020B0604020202020204" pitchFamily="34" charset="0"/>
+              <a:cs typeface="Arial" panose="020B0604020202020204" pitchFamily="34" charset="0"/>
+            </a:endParaRPr>
           </a:p>
           <a:p>
             <a:pPr marL="457200" lvl="1" indent="0">
               <a:buNone/>
             </a:pPr>
             <a:r>
-              <a:rPr lang="pt-PT" sz="1800" dirty="0"/>
+              <a:rPr lang="pt-PT" sz="1800" dirty="0">
+                <a:latin typeface="Arial" panose="020B0604020202020204" pitchFamily="34" charset="0"/>
+                <a:cs typeface="Arial" panose="020B0604020202020204" pitchFamily="34" charset="0"/>
+              </a:rPr>
               <a:t>Vantagens</a:t>
             </a:r>
             <a:r>
-              <a:rPr lang="pt-PT" dirty="0"/>
+              <a:rPr lang="pt-PT" dirty="0">
+                <a:latin typeface="Arial" panose="020B0604020202020204" pitchFamily="34" charset="0"/>
+                <a:cs typeface="Arial" panose="020B0604020202020204" pitchFamily="34" charset="0"/>
+              </a:rPr>
               <a:t>: Garante tolerância a falhas e é economicamente viável</a:t>
             </a:r>
           </a:p>
@@ -6707,11 +6831,17 @@
               <a:buNone/>
             </a:pPr>
             <a:r>
-              <a:rPr lang="pt-PT" sz="1800" dirty="0"/>
+              <a:rPr lang="pt-PT" sz="1800" dirty="0">
+                <a:latin typeface="Arial" panose="020B0604020202020204" pitchFamily="34" charset="0"/>
+                <a:cs typeface="Arial" panose="020B0604020202020204" pitchFamily="34" charset="0"/>
+              </a:rPr>
               <a:t>Desvantagens: </a:t>
             </a:r>
             <a:r>
-              <a:rPr lang="pt-PT" dirty="0"/>
+              <a:rPr lang="pt-PT" dirty="0">
+                <a:latin typeface="Arial" panose="020B0604020202020204" pitchFamily="34" charset="0"/>
+                <a:cs typeface="Arial" panose="020B0604020202020204" pitchFamily="34" charset="0"/>
+              </a:rPr>
               <a:t>Difícil escalabilidade</a:t>
             </a:r>
           </a:p>
@@ -6798,7 +6928,10 @@
           <a:lstStyle/>
           <a:p>
             <a:r>
-              <a:rPr lang="pt-PT" dirty="0"/>
+              <a:rPr lang="pt-PT" dirty="0">
+                <a:latin typeface="Arial" panose="020B0604020202020204" pitchFamily="34" charset="0"/>
+                <a:cs typeface="Arial" panose="020B0604020202020204" pitchFamily="34" charset="0"/>
+              </a:rPr>
               <a:t>Modelo apresentado</a:t>
             </a:r>
           </a:p>
@@ -6963,7 +7096,10 @@
           <a:lstStyle/>
           <a:p>
             <a:r>
-              <a:rPr lang="pt-PT" dirty="0"/>
+              <a:rPr lang="pt-PT" dirty="0">
+                <a:latin typeface="Arial" panose="020B0604020202020204" pitchFamily="34" charset="0"/>
+                <a:cs typeface="Arial" panose="020B0604020202020204" pitchFamily="34" charset="0"/>
+              </a:rPr>
               <a:t>Funcionamento do modelo proposto</a:t>
             </a:r>
           </a:p>
@@ -7050,7 +7186,10 @@
           <a:lstStyle/>
           <a:p>
             <a:r>
-              <a:rPr lang="pt-PT" dirty="0"/>
+              <a:rPr lang="pt-PT" dirty="0">
+                <a:latin typeface="Arial" panose="020B0604020202020204" pitchFamily="34" charset="0"/>
+                <a:cs typeface="Arial" panose="020B0604020202020204" pitchFamily="34" charset="0"/>
+              </a:rPr>
               <a:t>Conclusão</a:t>
             </a:r>
           </a:p>
@@ -7078,7 +7217,10 @@
           <a:lstStyle/>
           <a:p>
             <a:r>
-              <a:rPr lang="pt-PT" dirty="0"/>
+              <a:rPr lang="pt-PT" dirty="0">
+                <a:latin typeface="Arial" panose="020B0604020202020204" pitchFamily="34" charset="0"/>
+                <a:cs typeface="Arial" panose="020B0604020202020204" pitchFamily="34" charset="0"/>
+              </a:rPr>
               <a:t>Tolerância a falhas</a:t>
             </a:r>
           </a:p>
@@ -7086,22 +7228,22 @@
             <a:pPr marL="0" indent="0">
               <a:buNone/>
             </a:pPr>
+            <a:endParaRPr lang="pt-PT" dirty="0">
+              <a:latin typeface="Arial" panose="020B0604020202020204" pitchFamily="34" charset="0"/>
+              <a:cs typeface="Arial" panose="020B0604020202020204" pitchFamily="34" charset="0"/>
+            </a:endParaRPr>
+          </a:p>
+          <a:p>
+            <a:r>
+              <a:rPr lang="pt-PT" dirty="0">
+                <a:latin typeface="Arial" panose="020B0604020202020204" pitchFamily="34" charset="0"/>
+                <a:cs typeface="Arial" panose="020B0604020202020204" pitchFamily="34" charset="0"/>
+              </a:rPr>
+              <a:t>Escalabilidade</a:t>
+            </a:r>
+          </a:p>
+          <a:p>
             <a:endParaRPr lang="pt-PT" dirty="0"/>
-          </a:p>
-          <a:p>
-            <a:r>
-              <a:rPr lang="pt-PT" dirty="0"/>
-              <a:t>Escalabilidade</a:t>
-            </a:r>
-          </a:p>
-          <a:p>
-            <a:endParaRPr lang="pt-PT" dirty="0"/>
-          </a:p>
-          <a:p>
-            <a:r>
-              <a:rPr lang="pt-PT" dirty="0"/>
-              <a:t>Garantem disponibilidade e partições</a:t>
-            </a:r>
           </a:p>
         </p:txBody>
       </p:sp>
